--- a/IBM DS Capstone Project Presentation.pptx
+++ b/IBM DS Capstone Project Presentation.pptx
@@ -9,13 +9,14 @@
     <p:sldId id="257" r:id="rId3"/>
     <p:sldId id="258" r:id="rId4"/>
     <p:sldId id="259" r:id="rId5"/>
-    <p:sldId id="260" r:id="rId6"/>
-    <p:sldId id="261" r:id="rId7"/>
-    <p:sldId id="262" r:id="rId8"/>
-    <p:sldId id="263" r:id="rId9"/>
-    <p:sldId id="264" r:id="rId10"/>
-    <p:sldId id="265" r:id="rId11"/>
-    <p:sldId id="266" r:id="rId12"/>
+    <p:sldId id="267" r:id="rId6"/>
+    <p:sldId id="260" r:id="rId7"/>
+    <p:sldId id="261" r:id="rId8"/>
+    <p:sldId id="262" r:id="rId9"/>
+    <p:sldId id="263" r:id="rId10"/>
+    <p:sldId id="264" r:id="rId11"/>
+    <p:sldId id="265" r:id="rId12"/>
+    <p:sldId id="266" r:id="rId13"/>
   </p:sldIdLst>
   <p:sldSz cx="12192000" cy="6858000"/>
   <p:notesSz cx="6858000" cy="9144000"/>
@@ -114,6 +115,11 @@
       </a:defRPr>
     </a:lvl9pPr>
   </p:defaultTextStyle>
+  <p:extLst>
+    <p:ext uri="{EFAFB233-063F-42B5-8137-9DF3F51BA10A}">
+      <p15:sldGuideLst xmlns:p15="http://schemas.microsoft.com/office/powerpoint/2012/main"/>
+    </p:ext>
+  </p:extLst>
 </p:presentation>
 </file>
 
@@ -212,7 +218,7 @@
           <a:effectLst/>
           <a:extLst>
             <a:ext uri="{91240B29-F687-4f45-9708-019B960494DF}">
-              <a14:hiddenLine xmlns:a14="http://schemas.microsoft.com/office/drawing/2010/main" xmlns="" w="9525">
+              <a14:hiddenLine xmlns="" xmlns:a14="http://schemas.microsoft.com/office/drawing/2010/main" w="9525">
                 <a:solidFill>
                   <a:srgbClr val="000000"/>
                 </a:solidFill>
@@ -1722,7 +1728,7 @@
           <a:ln/>
           <a:extLst>
             <a:ext uri="{91240B29-F687-4f45-9708-019B960494DF}">
-              <a14:hiddenLine xmlns:a14="http://schemas.microsoft.com/office/drawing/2010/main" xmlns="" w="9525">
+              <a14:hiddenLine xmlns="" xmlns:a14="http://schemas.microsoft.com/office/drawing/2010/main" w="9525">
                 <a:solidFill>
                   <a:srgbClr val="000000"/>
                 </a:solidFill>
@@ -1994,7 +2000,7 @@
           <a:ln/>
           <a:extLst>
             <a:ext uri="{91240B29-F687-4f45-9708-019B960494DF}">
-              <a14:hiddenLine xmlns:a14="http://schemas.microsoft.com/office/drawing/2010/main" xmlns="" w="9525">
+              <a14:hiddenLine xmlns="" xmlns:a14="http://schemas.microsoft.com/office/drawing/2010/main" w="9525">
                 <a:solidFill>
                   <a:srgbClr val="000000"/>
                 </a:solidFill>
@@ -2274,7 +2280,7 @@
           <a:ln/>
           <a:extLst>
             <a:ext uri="{91240B29-F687-4f45-9708-019B960494DF}">
-              <a14:hiddenLine xmlns:a14="http://schemas.microsoft.com/office/drawing/2010/main" xmlns="" w="9525">
+              <a14:hiddenLine xmlns="" xmlns:a14="http://schemas.microsoft.com/office/drawing/2010/main" w="9525">
                 <a:solidFill>
                   <a:srgbClr val="000000"/>
                 </a:solidFill>
@@ -2894,7 +2900,7 @@
           <a:ln/>
           <a:extLst>
             <a:ext uri="{91240B29-F687-4f45-9708-019B960494DF}">
-              <a14:hiddenLine xmlns:a14="http://schemas.microsoft.com/office/drawing/2010/main" xmlns="" w="9525">
+              <a14:hiddenLine xmlns="" xmlns:a14="http://schemas.microsoft.com/office/drawing/2010/main" w="9525">
                 <a:solidFill>
                   <a:srgbClr val="000000"/>
                 </a:solidFill>
@@ -3230,7 +3236,7 @@
           <a:ln/>
           <a:extLst>
             <a:ext uri="{91240B29-F687-4f45-9708-019B960494DF}">
-              <a14:hiddenLine xmlns:a14="http://schemas.microsoft.com/office/drawing/2010/main" xmlns="" w="9525">
+              <a14:hiddenLine xmlns="" xmlns:a14="http://schemas.microsoft.com/office/drawing/2010/main" w="9525">
                 <a:solidFill>
                   <a:srgbClr val="000000"/>
                 </a:solidFill>
@@ -3704,7 +3710,7 @@
           <a:ln/>
           <a:extLst>
             <a:ext uri="{91240B29-F687-4f45-9708-019B960494DF}">
-              <a14:hiddenLine xmlns:a14="http://schemas.microsoft.com/office/drawing/2010/main" xmlns="" w="9525">
+              <a14:hiddenLine xmlns="" xmlns:a14="http://schemas.microsoft.com/office/drawing/2010/main" w="9525">
                 <a:solidFill>
                   <a:srgbClr val="000000"/>
                 </a:solidFill>
@@ -4127,7 +4133,7 @@
           <a:ln/>
           <a:extLst>
             <a:ext uri="{91240B29-F687-4f45-9708-019B960494DF}">
-              <a14:hiddenLine xmlns:a14="http://schemas.microsoft.com/office/drawing/2010/main" xmlns="" w="9525">
+              <a14:hiddenLine xmlns="" xmlns:a14="http://schemas.microsoft.com/office/drawing/2010/main" w="9525">
                 <a:solidFill>
                   <a:srgbClr val="000000"/>
                 </a:solidFill>
@@ -5461,6 +5467,88 @@
         </p:nvPicPr>
         <p:blipFill rotWithShape="1">
           <a:blip r:embed="rId2"/>
+          <a:srcRect l="17476" t="15653" r="19327" b="44183"/>
+          <a:stretch/>
+        </p:blipFill>
+        <p:spPr bwMode="auto">
+          <a:xfrm>
+            <a:off x="1829261" y="2502881"/>
+            <a:ext cx="9409545" cy="3731664"/>
+          </a:xfrm>
+          <a:prstGeom prst="rect">
+            <a:avLst/>
+          </a:prstGeom>
+          <a:ln>
+            <a:noFill/>
+          </a:ln>
+          <a:extLst>
+            <a:ext uri="{53640926-AAD7-44D8-BBD7-CCE9431645EC}">
+              <a14:shadowObscured xmlns:a14="http://schemas.microsoft.com/office/drawing/2010/main"/>
+            </a:ext>
+          </a:extLst>
+        </p:spPr>
+      </p:pic>
+    </p:spTree>
+    <p:extLst>
+      <p:ext uri="{BB962C8B-B14F-4D97-AF65-F5344CB8AC3E}">
+        <p14:creationId xmlns:p14="http://schemas.microsoft.com/office/powerpoint/2010/main" val="3257267184"/>
+      </p:ext>
+    </p:extLst>
+  </p:cSld>
+  <p:clrMapOvr>
+    <a:masterClrMapping/>
+  </p:clrMapOvr>
+</p:sld>
+</file>
+
+<file path=ppt/slides/slide11.xml><?xml version="1.0" encoding="utf-8"?>
+<p:sld xmlns:a="http://schemas.openxmlformats.org/drawingml/2006/main" xmlns:r="http://schemas.openxmlformats.org/officeDocument/2006/relationships" xmlns:p="http://schemas.openxmlformats.org/presentationml/2006/main">
+  <p:cSld>
+    <p:spTree>
+      <p:nvGrpSpPr>
+        <p:cNvPr id="1" name=""/>
+        <p:cNvGrpSpPr/>
+        <p:nvPr/>
+      </p:nvGrpSpPr>
+      <p:grpSpPr>
+        <a:xfrm>
+          <a:off x="0" y="0"/>
+          <a:ext cx="0" cy="0"/>
+          <a:chOff x="0" y="0"/>
+          <a:chExt cx="0" cy="0"/>
+        </a:xfrm>
+      </p:grpSpPr>
+      <p:sp>
+        <p:nvSpPr>
+          <p:cNvPr id="2" name="Título 1"/>
+          <p:cNvSpPr>
+            <a:spLocks noGrp="1"/>
+          </p:cNvSpPr>
+          <p:nvPr>
+            <p:ph type="title"/>
+          </p:nvPr>
+        </p:nvSpPr>
+        <p:spPr/>
+        <p:txBody>
+          <a:bodyPr/>
+          <a:lstStyle/>
+          <a:p>
+            <a:r>
+              <a:rPr lang="en-US" dirty="0" smtClean="0"/>
+              <a:t>Results with all clusters</a:t>
+            </a:r>
+            <a:endParaRPr lang="es-MX" dirty="0"/>
+          </a:p>
+        </p:txBody>
+      </p:sp>
+      <p:pic>
+        <p:nvPicPr>
+          <p:cNvPr id="3" name="Imagen 2"/>
+          <p:cNvPicPr/>
+          <p:nvPr/>
+        </p:nvPicPr>
+        <p:blipFill rotWithShape="1">
+          <a:blip r:embed="rId2"/>
           <a:srcRect l="17476" t="56770" r="19327" b="19134"/>
           <a:stretch/>
         </p:blipFill>
@@ -5495,7 +5583,7 @@
 </p:sld>
 </file>
 
-<file path=ppt/slides/slide11.xml><?xml version="1.0" encoding="utf-8"?>
+<file path=ppt/slides/slide12.xml><?xml version="1.0" encoding="utf-8"?>
 <p:sld xmlns:a="http://schemas.openxmlformats.org/drawingml/2006/main" xmlns:r="http://schemas.openxmlformats.org/officeDocument/2006/relationships" xmlns:p="http://schemas.openxmlformats.org/presentationml/2006/main">
   <p:cSld>
     <p:spTree>
@@ -5964,6 +6052,186 @@
 </file>
 
 <file path=ppt/slides/slide5.xml><?xml version="1.0" encoding="utf-8"?>
+<p:sld xmlns:a="http://schemas.openxmlformats.org/drawingml/2006/main" xmlns:r="http://schemas.openxmlformats.org/officeDocument/2006/relationships" xmlns:p="http://schemas.openxmlformats.org/presentationml/2006/main">
+  <p:cSld>
+    <p:spTree>
+      <p:nvGrpSpPr>
+        <p:cNvPr id="1" name=""/>
+        <p:cNvGrpSpPr/>
+        <p:nvPr/>
+      </p:nvGrpSpPr>
+      <p:grpSpPr>
+        <a:xfrm>
+          <a:off x="0" y="0"/>
+          <a:ext cx="0" cy="0"/>
+          <a:chOff x="0" y="0"/>
+          <a:chExt cx="0" cy="0"/>
+        </a:xfrm>
+      </p:grpSpPr>
+      <p:sp>
+        <p:nvSpPr>
+          <p:cNvPr id="2" name="Título 1"/>
+          <p:cNvSpPr>
+            <a:spLocks noGrp="1"/>
+          </p:cNvSpPr>
+          <p:nvPr>
+            <p:ph type="title"/>
+          </p:nvPr>
+        </p:nvSpPr>
+        <p:spPr/>
+        <p:txBody>
+          <a:bodyPr/>
+          <a:lstStyle/>
+          <a:p>
+            <a:r>
+              <a:rPr lang="en-US" dirty="0" smtClean="0"/>
+              <a:t>Methodology</a:t>
+            </a:r>
+            <a:endParaRPr lang="es-MX" dirty="0"/>
+          </a:p>
+        </p:txBody>
+      </p:sp>
+      <p:sp>
+        <p:nvSpPr>
+          <p:cNvPr id="3" name="Marcador de contenido 2"/>
+          <p:cNvSpPr>
+            <a:spLocks noGrp="1"/>
+          </p:cNvSpPr>
+          <p:nvPr>
+            <p:ph idx="1"/>
+          </p:nvPr>
+        </p:nvSpPr>
+        <p:spPr/>
+        <p:txBody>
+          <a:bodyPr>
+            <a:normAutofit fontScale="85000" lnSpcReduction="20000"/>
+          </a:bodyPr>
+          <a:lstStyle/>
+          <a:p>
+            <a:r>
+              <a:rPr lang="en-US" dirty="0"/>
+              <a:t>"Buenos Aires Ciudad" has some datasets open for people to explore and analyze. In order to get the information of all neighborhoods and it's location, we first have to connect to the </a:t>
+            </a:r>
+            <a:r>
+              <a:rPr lang="en-US" dirty="0" err="1"/>
+              <a:t>geojson</a:t>
+            </a:r>
+            <a:r>
+              <a:rPr lang="en-US" dirty="0"/>
+              <a:t> file of Buenos Aires City</a:t>
+            </a:r>
+            <a:r>
+              <a:rPr lang="en-US" dirty="0" smtClean="0"/>
+              <a:t>.</a:t>
+            </a:r>
+          </a:p>
+          <a:p>
+            <a:r>
+              <a:rPr lang="en-US" dirty="0"/>
+              <a:t>Apparently there is some sort of problem with the database and as much as I've searched to fix it, I've not been able to </a:t>
+            </a:r>
+            <a:r>
+              <a:rPr lang="en-US" dirty="0" err="1"/>
+              <a:t>succed</a:t>
+            </a:r>
+            <a:r>
+              <a:rPr lang="en-US" dirty="0"/>
+              <a:t>. Therefore, </a:t>
+            </a:r>
+            <a:r>
+              <a:rPr lang="en-US" dirty="0" smtClean="0"/>
+              <a:t>I dropped the </a:t>
+            </a:r>
+            <a:r>
+              <a:rPr lang="en-US" dirty="0"/>
+              <a:t>rows with missing data</a:t>
+            </a:r>
+            <a:r>
+              <a:rPr lang="en-US" dirty="0" smtClean="0"/>
+              <a:t>.</a:t>
+            </a:r>
+          </a:p>
+          <a:p>
+            <a:r>
+              <a:rPr lang="en-US" dirty="0" smtClean="0"/>
+              <a:t>After obtaining all the information, I created a </a:t>
+            </a:r>
+            <a:r>
+              <a:rPr lang="en-US" dirty="0"/>
+              <a:t>map containing all neighborhoods with each marks</a:t>
+            </a:r>
+            <a:r>
+              <a:rPr lang="en-US" dirty="0" smtClean="0"/>
+              <a:t>.</a:t>
+            </a:r>
+          </a:p>
+          <a:p>
+            <a:r>
+              <a:rPr lang="en-US" dirty="0" smtClean="0"/>
+              <a:t>I accessed Foursquare API using my credentials to analyze each neighborhood.</a:t>
+            </a:r>
+          </a:p>
+          <a:p>
+            <a:r>
+              <a:rPr lang="en-US" dirty="0" smtClean="0"/>
+              <a:t>I defined a function to extract the category of each venue.</a:t>
+            </a:r>
+          </a:p>
+          <a:p>
+            <a:r>
+              <a:rPr lang="en-US" dirty="0" smtClean="0"/>
+              <a:t>I created a </a:t>
+            </a:r>
+            <a:r>
+              <a:rPr lang="en-US" dirty="0" err="1" smtClean="0"/>
+              <a:t>dataframe</a:t>
+            </a:r>
+            <a:r>
+              <a:rPr lang="en-US" dirty="0" smtClean="0"/>
+              <a:t> containing all neighborhoods with all of their venues and geographic location.</a:t>
+            </a:r>
+          </a:p>
+          <a:p>
+            <a:r>
+              <a:rPr lang="en-US" dirty="0" smtClean="0"/>
+              <a:t>I created a dummy variable to calculate frequency of each type of venue in each neighborhood.</a:t>
+            </a:r>
+          </a:p>
+          <a:p>
+            <a:r>
+              <a:rPr lang="en-US" dirty="0" smtClean="0"/>
+              <a:t>I ran the k-means algorithm to arrange the information by clusters.</a:t>
+            </a:r>
+          </a:p>
+          <a:p>
+            <a:r>
+              <a:rPr lang="en-US" dirty="0" smtClean="0"/>
+              <a:t>Visualize it on a folium map.</a:t>
+            </a:r>
+          </a:p>
+          <a:p>
+            <a:r>
+              <a:rPr lang="en-US" dirty="0" smtClean="0"/>
+              <a:t>Analyze each one of them.</a:t>
+            </a:r>
+            <a:endParaRPr lang="es-MX" dirty="0"/>
+          </a:p>
+        </p:txBody>
+      </p:sp>
+    </p:spTree>
+    <p:extLst>
+      <p:ext uri="{BB962C8B-B14F-4D97-AF65-F5344CB8AC3E}">
+        <p14:creationId xmlns:p14="http://schemas.microsoft.com/office/powerpoint/2010/main" val="4172635349"/>
+      </p:ext>
+    </p:extLst>
+  </p:cSld>
+  <p:clrMapOvr>
+    <a:masterClrMapping/>
+  </p:clrMapOvr>
+</p:sld>
+</file>
+
+<file path=ppt/slides/slide6.xml><?xml version="1.0" encoding="utf-8"?>
 <p:sld xmlns:a="http://schemas.openxmlformats.org/drawingml/2006/main" xmlns:r="http://schemas.openxmlformats.org/officeDocument/2006/relationships" xmlns:p="http://schemas.openxmlformats.org/presentationml/2006/main">
   <p:cSld>
     <p:spTree>
@@ -6045,7 +6313,7 @@
 </p:sld>
 </file>
 
-<file path=ppt/slides/slide6.xml><?xml version="1.0" encoding="utf-8"?>
+<file path=ppt/slides/slide7.xml><?xml version="1.0" encoding="utf-8"?>
 <p:sld xmlns:a="http://schemas.openxmlformats.org/drawingml/2006/main" xmlns:r="http://schemas.openxmlformats.org/officeDocument/2006/relationships" xmlns:p="http://schemas.openxmlformats.org/presentationml/2006/main">
   <p:cSld>
     <p:spTree>
@@ -6122,7 +6390,7 @@
 </p:sld>
 </file>
 
-<file path=ppt/slides/slide7.xml><?xml version="1.0" encoding="utf-8"?>
+<file path=ppt/slides/slide8.xml><?xml version="1.0" encoding="utf-8"?>
 <p:sld xmlns:a="http://schemas.openxmlformats.org/drawingml/2006/main" xmlns:r="http://schemas.openxmlformats.org/officeDocument/2006/relationships" xmlns:p="http://schemas.openxmlformats.org/presentationml/2006/main">
   <p:cSld>
     <p:spTree>
@@ -6204,7 +6472,7 @@
 </p:sld>
 </file>
 
-<file path=ppt/slides/slide8.xml><?xml version="1.0" encoding="utf-8"?>
+<file path=ppt/slides/slide9.xml><?xml version="1.0" encoding="utf-8"?>
 <p:sld xmlns:a="http://schemas.openxmlformats.org/drawingml/2006/main" xmlns:r="http://schemas.openxmlformats.org/officeDocument/2006/relationships" xmlns:p="http://schemas.openxmlformats.org/presentationml/2006/main">
   <p:cSld>
     <p:spTree>
@@ -6277,88 +6545,6 @@
     <p:extLst>
       <p:ext uri="{BB962C8B-B14F-4D97-AF65-F5344CB8AC3E}">
         <p14:creationId xmlns:p14="http://schemas.microsoft.com/office/powerpoint/2010/main" val="1066102555"/>
-      </p:ext>
-    </p:extLst>
-  </p:cSld>
-  <p:clrMapOvr>
-    <a:masterClrMapping/>
-  </p:clrMapOvr>
-</p:sld>
-</file>
-
-<file path=ppt/slides/slide9.xml><?xml version="1.0" encoding="utf-8"?>
-<p:sld xmlns:a="http://schemas.openxmlformats.org/drawingml/2006/main" xmlns:r="http://schemas.openxmlformats.org/officeDocument/2006/relationships" xmlns:p="http://schemas.openxmlformats.org/presentationml/2006/main">
-  <p:cSld>
-    <p:spTree>
-      <p:nvGrpSpPr>
-        <p:cNvPr id="1" name=""/>
-        <p:cNvGrpSpPr/>
-        <p:nvPr/>
-      </p:nvGrpSpPr>
-      <p:grpSpPr>
-        <a:xfrm>
-          <a:off x="0" y="0"/>
-          <a:ext cx="0" cy="0"/>
-          <a:chOff x="0" y="0"/>
-          <a:chExt cx="0" cy="0"/>
-        </a:xfrm>
-      </p:grpSpPr>
-      <p:sp>
-        <p:nvSpPr>
-          <p:cNvPr id="2" name="Título 1"/>
-          <p:cNvSpPr>
-            <a:spLocks noGrp="1"/>
-          </p:cNvSpPr>
-          <p:nvPr>
-            <p:ph type="title"/>
-          </p:nvPr>
-        </p:nvSpPr>
-        <p:spPr/>
-        <p:txBody>
-          <a:bodyPr/>
-          <a:lstStyle/>
-          <a:p>
-            <a:r>
-              <a:rPr lang="en-US" dirty="0" smtClean="0"/>
-              <a:t>Results with all clusters</a:t>
-            </a:r>
-            <a:endParaRPr lang="es-MX" dirty="0"/>
-          </a:p>
-        </p:txBody>
-      </p:sp>
-      <p:pic>
-        <p:nvPicPr>
-          <p:cNvPr id="3" name="Imagen 2"/>
-          <p:cNvPicPr/>
-          <p:nvPr/>
-        </p:nvPicPr>
-        <p:blipFill rotWithShape="1">
-          <a:blip r:embed="rId2"/>
-          <a:srcRect l="17476" t="15653" r="19327" b="44183"/>
-          <a:stretch/>
-        </p:blipFill>
-        <p:spPr bwMode="auto">
-          <a:xfrm>
-            <a:off x="1829261" y="2502881"/>
-            <a:ext cx="9409545" cy="3731664"/>
-          </a:xfrm>
-          <a:prstGeom prst="rect">
-            <a:avLst/>
-          </a:prstGeom>
-          <a:ln>
-            <a:noFill/>
-          </a:ln>
-          <a:extLst>
-            <a:ext uri="{53640926-AAD7-44D8-BBD7-CCE9431645EC}">
-              <a14:shadowObscured xmlns:a14="http://schemas.microsoft.com/office/drawing/2010/main"/>
-            </a:ext>
-          </a:extLst>
-        </p:spPr>
-      </p:pic>
-    </p:spTree>
-    <p:extLst>
-      <p:ext uri="{BB962C8B-B14F-4D97-AF65-F5344CB8AC3E}">
-        <p14:creationId xmlns:p14="http://schemas.microsoft.com/office/powerpoint/2010/main" val="3257267184"/>
       </p:ext>
     </p:extLst>
   </p:cSld>
